--- a/DS 6050 Noul Singla.pptx
+++ b/DS 6050 Noul Singla.pptx
@@ -5,7 +5,7 @@
     <p:sldMasterId id="2147483648" r:id="rId1"/>
   </p:sldMasterIdLst>
   <p:notesMasterIdLst>
-    <p:notesMasterId r:id="rId24"/>
+    <p:notesMasterId r:id="rId25"/>
   </p:notesMasterIdLst>
   <p:sldIdLst>
     <p:sldId id="256" r:id="rId2"/>
@@ -22,14 +22,15 @@
     <p:sldId id="266" r:id="rId13"/>
     <p:sldId id="267" r:id="rId14"/>
     <p:sldId id="260" r:id="rId15"/>
-    <p:sldId id="278" r:id="rId16"/>
-    <p:sldId id="279" r:id="rId17"/>
-    <p:sldId id="274" r:id="rId18"/>
-    <p:sldId id="275" r:id="rId19"/>
-    <p:sldId id="280" r:id="rId20"/>
-    <p:sldId id="281" r:id="rId21"/>
-    <p:sldId id="276" r:id="rId22"/>
-    <p:sldId id="261" r:id="rId23"/>
+    <p:sldId id="282" r:id="rId16"/>
+    <p:sldId id="278" r:id="rId17"/>
+    <p:sldId id="279" r:id="rId18"/>
+    <p:sldId id="274" r:id="rId19"/>
+    <p:sldId id="275" r:id="rId20"/>
+    <p:sldId id="280" r:id="rId21"/>
+    <p:sldId id="281" r:id="rId22"/>
+    <p:sldId id="276" r:id="rId23"/>
+    <p:sldId id="261" r:id="rId24"/>
   </p:sldIdLst>
   <p:sldSz cx="12192000" cy="6858000"/>
   <p:notesSz cx="6858000" cy="9144000"/>
@@ -151,6 +152,7 @@
             <p14:sldId id="266"/>
             <p14:sldId id="267"/>
             <p14:sldId id="260"/>
+            <p14:sldId id="282"/>
             <p14:sldId id="278"/>
             <p14:sldId id="279"/>
             <p14:sldId id="274"/>
@@ -3423,7 +3425,7 @@
           <a:p>
             <a:fld id="{EC634167-AB04-409D-B03F-8D22CFA0EA80}" type="datetimeFigureOut">
               <a:rPr lang="en-US" smtClean="0"/>
-              <a:t>4/21/2019</a:t>
+              <a:t>4/25/2019</a:t>
             </a:fld>
             <a:endParaRPr lang="en-US"/>
           </a:p>
@@ -3960,7 +3962,7 @@
             <a:fld id="{87DE6118-2437-4B30-8E3C-4D2BE6020583}" type="datetimeFigureOut">
               <a:rPr lang="en-US" dirty="0"/>
               <a:pPr/>
-              <a:t>4/21/2019</a:t>
+              <a:t>4/25/2019</a:t>
             </a:fld>
             <a:endParaRPr lang="en-US" dirty="0"/>
           </a:p>
@@ -4286,7 +4288,7 @@
           <a:p>
             <a:fld id="{87DE6118-2437-4B30-8E3C-4D2BE6020583}" type="datetimeFigureOut">
               <a:rPr lang="en-US" dirty="0"/>
-              <a:t>4/21/2019</a:t>
+              <a:t>4/25/2019</a:t>
             </a:fld>
             <a:endParaRPr lang="en-US" dirty="0"/>
           </a:p>
@@ -4461,7 +4463,7 @@
           <a:p>
             <a:fld id="{87DE6118-2437-4B30-8E3C-4D2BE6020583}" type="datetimeFigureOut">
               <a:rPr lang="en-US" dirty="0"/>
-              <a:t>4/21/2019</a:t>
+              <a:t>4/25/2019</a:t>
             </a:fld>
             <a:endParaRPr lang="en-US" dirty="0"/>
           </a:p>
@@ -4626,7 +4628,7 @@
           <a:p>
             <a:fld id="{87DE6118-2437-4B30-8E3C-4D2BE6020583}" type="datetimeFigureOut">
               <a:rPr lang="en-US" dirty="0"/>
-              <a:t>4/21/2019</a:t>
+              <a:t>4/25/2019</a:t>
             </a:fld>
             <a:endParaRPr lang="en-US" dirty="0"/>
           </a:p>
@@ -4899,7 +4901,7 @@
             <a:fld id="{87DE6118-2437-4B30-8E3C-4D2BE6020583}" type="datetimeFigureOut">
               <a:rPr lang="en-US" dirty="0"/>
               <a:pPr/>
-              <a:t>4/21/2019</a:t>
+              <a:t>4/25/2019</a:t>
             </a:fld>
             <a:endParaRPr lang="en-US" dirty="0"/>
           </a:p>
@@ -5289,7 +5291,7 @@
           <a:p>
             <a:fld id="{87DE6118-2437-4B30-8E3C-4D2BE6020583}" type="datetimeFigureOut">
               <a:rPr lang="en-US" dirty="0"/>
-              <a:t>4/21/2019</a:t>
+              <a:t>4/25/2019</a:t>
             </a:fld>
             <a:endParaRPr lang="en-US" dirty="0"/>
           </a:p>
@@ -5761,7 +5763,7 @@
           <a:p>
             <a:fld id="{87DE6118-2437-4B30-8E3C-4D2BE6020583}" type="datetimeFigureOut">
               <a:rPr lang="en-US" dirty="0"/>
-              <a:t>4/21/2019</a:t>
+              <a:t>4/25/2019</a:t>
             </a:fld>
             <a:endParaRPr lang="en-US" dirty="0"/>
           </a:p>
@@ -5874,7 +5876,7 @@
           <a:p>
             <a:fld id="{87DE6118-2437-4B30-8E3C-4D2BE6020583}" type="datetimeFigureOut">
               <a:rPr lang="en-US" dirty="0"/>
-              <a:t>4/21/2019</a:t>
+              <a:t>4/25/2019</a:t>
             </a:fld>
             <a:endParaRPr lang="en-US" dirty="0"/>
           </a:p>
@@ -5964,7 +5966,7 @@
           <a:p>
             <a:fld id="{87DE6118-2437-4B30-8E3C-4D2BE6020583}" type="datetimeFigureOut">
               <a:rPr lang="en-US" dirty="0"/>
-              <a:t>4/21/2019</a:t>
+              <a:t>4/25/2019</a:t>
             </a:fld>
             <a:endParaRPr lang="en-US" dirty="0"/>
           </a:p>
@@ -6306,7 +6308,7 @@
             <a:fld id="{87DE6118-2437-4B30-8E3C-4D2BE6020583}" type="datetimeFigureOut">
               <a:rPr lang="en-US" dirty="0"/>
               <a:pPr/>
-              <a:t>4/21/2019</a:t>
+              <a:t>4/25/2019</a:t>
             </a:fld>
             <a:endParaRPr lang="en-US" dirty="0"/>
           </a:p>
@@ -6691,7 +6693,7 @@
             <a:fld id="{87DE6118-2437-4B30-8E3C-4D2BE6020583}" type="datetimeFigureOut">
               <a:rPr lang="en-US" dirty="0"/>
               <a:pPr/>
-              <a:t>4/21/2019</a:t>
+              <a:t>4/25/2019</a:t>
             </a:fld>
             <a:endParaRPr lang="en-US" dirty="0"/>
           </a:p>
@@ -6966,7 +6968,7 @@
             <a:fld id="{87DE6118-2437-4B30-8E3C-4D2BE6020583}" type="datetimeFigureOut">
               <a:rPr lang="en-US" dirty="0"/>
               <a:pPr/>
-              <a:t>4/21/2019</a:t>
+              <a:t>4/25/2019</a:t>
             </a:fld>
             <a:endParaRPr lang="en-US" dirty="0"/>
           </a:p>
@@ -9000,7 +9002,7 @@
           <a:p>
             <a:r>
               <a:rPr lang="en-US" dirty="0"/>
-              <a:t>Methodology for scoring</a:t>
+              <a:t>Methodology for Feature Generation</a:t>
             </a:r>
           </a:p>
         </p:txBody>
@@ -9029,7 +9031,7 @@
         </p:spPr>
         <p:txBody>
           <a:bodyPr>
-            <a:normAutofit fontScale="85000" lnSpcReduction="20000"/>
+            <a:normAutofit fontScale="77500" lnSpcReduction="20000"/>
           </a:bodyPr>
           <a:lstStyle/>
           <a:p>
@@ -9162,6 +9164,17 @@
             </a:r>
           </a:p>
           <a:p>
+            <a:pPr lvl="1"/>
+            <a:r>
+              <a:rPr lang="en-US" dirty="0">
+                <a:solidFill>
+                  <a:srgbClr val="0070C0"/>
+                </a:solidFill>
+              </a:rPr>
+              <a:t>If a project Bus factor changed over the year or not : Change if it changed, same if it remain same.</a:t>
+            </a:r>
+          </a:p>
+          <a:p>
             <a:pPr marL="0" indent="0">
               <a:buNone/>
             </a:pPr>
@@ -9174,10 +9187,7 @@
             <a:pPr marL="0" indent="0">
               <a:buNone/>
             </a:pPr>
-            <a:r>
-              <a:rPr lang="en-US" dirty="0"/>
-              <a:t>4. If not, try to generate a factor for risk to extend bus factor.</a:t>
-            </a:r>
+            <a:endParaRPr lang="en-US" dirty="0"/>
           </a:p>
         </p:txBody>
       </p:sp>
@@ -9521,33 +9531,15 @@
                                   </p:childTnLst>
                                 </p:cTn>
                               </p:par>
-                            </p:childTnLst>
-                          </p:cTn>
-                        </p:par>
-                      </p:childTnLst>
-                    </p:cTn>
-                  </p:par>
-                  <p:par>
-                    <p:cTn id="25" fill="hold">
-                      <p:stCondLst>
-                        <p:cond delay="indefinite"/>
-                      </p:stCondLst>
-                      <p:childTnLst>
-                        <p:par>
-                          <p:cTn id="26" fill="hold">
-                            <p:stCondLst>
-                              <p:cond delay="0"/>
-                            </p:stCondLst>
-                            <p:childTnLst>
                               <p:par>
-                                <p:cTn id="27" presetID="10" presetClass="entr" presetSubtype="0" fill="hold" nodeType="clickEffect">
+                                <p:cTn id="25" presetID="1" presetClass="entr" presetSubtype="0" fill="hold" nodeType="withEffect">
                                   <p:stCondLst>
                                     <p:cond delay="0"/>
                                   </p:stCondLst>
                                   <p:childTnLst>
                                     <p:set>
                                       <p:cBhvr>
-                                        <p:cTn id="28" dur="1" fill="hold">
+                                        <p:cTn id="26" dur="1" fill="hold">
                                           <p:stCondLst>
                                             <p:cond delay="0"/>
                                           </p:stCondLst>
@@ -9567,18 +9559,6 @@
                                         <p:strVal val="visible"/>
                                       </p:to>
                                     </p:set>
-                                    <p:animEffect transition="in" filter="fade">
-                                      <p:cBhvr>
-                                        <p:cTn id="29" dur="500"/>
-                                        <p:tgtEl>
-                                          <p:spTgt spid="3">
-                                            <p:txEl>
-                                              <p:pRg st="11" end="11"/>
-                                            </p:txEl>
-                                          </p:spTgt>
-                                        </p:tgtEl>
-                                      </p:cBhvr>
-                                    </p:animEffect>
                                   </p:childTnLst>
                                 </p:cTn>
                               </p:par>
@@ -9589,26 +9569,26 @@
                     </p:cTn>
                   </p:par>
                   <p:par>
-                    <p:cTn id="30" fill="hold">
+                    <p:cTn id="27" fill="hold">
                       <p:stCondLst>
                         <p:cond delay="indefinite"/>
                       </p:stCondLst>
                       <p:childTnLst>
                         <p:par>
-                          <p:cTn id="31" fill="hold">
+                          <p:cTn id="28" fill="hold">
                             <p:stCondLst>
                               <p:cond delay="0"/>
                             </p:stCondLst>
                             <p:childTnLst>
                               <p:par>
-                                <p:cTn id="32" presetID="10" presetClass="entr" presetSubtype="0" fill="hold" nodeType="clickEffect">
+                                <p:cTn id="29" presetID="10" presetClass="entr" presetSubtype="0" fill="hold" nodeType="clickEffect">
                                   <p:stCondLst>
                                     <p:cond delay="0"/>
                                   </p:stCondLst>
                                   <p:childTnLst>
                                     <p:set>
                                       <p:cBhvr>
-                                        <p:cTn id="33" dur="1" fill="hold">
+                                        <p:cTn id="30" dur="1" fill="hold">
                                           <p:stCondLst>
                                             <p:cond delay="0"/>
                                           </p:stCondLst>
@@ -9630,7 +9610,7 @@
                                     </p:set>
                                     <p:animEffect transition="in" filter="fade">
                                       <p:cBhvr>
-                                        <p:cTn id="34" dur="500"/>
+                                        <p:cTn id="31" dur="500"/>
                                         <p:tgtEl>
                                           <p:spTgt spid="3">
                                             <p:txEl>
@@ -9675,6 +9655,154 @@
 </file>
 
 <file path=ppt/slides/slide15.xml><?xml version="1.0" encoding="utf-8"?>
+<p:sld xmlns:a="http://schemas.openxmlformats.org/drawingml/2006/main" xmlns:r="http://schemas.openxmlformats.org/officeDocument/2006/relationships" xmlns:p="http://schemas.openxmlformats.org/presentationml/2006/main">
+  <p:cSld>
+    <p:spTree>
+      <p:nvGrpSpPr>
+        <p:cNvPr id="1" name=""/>
+        <p:cNvGrpSpPr/>
+        <p:nvPr/>
+      </p:nvGrpSpPr>
+      <p:grpSpPr>
+        <a:xfrm>
+          <a:off x="0" y="0"/>
+          <a:ext cx="0" cy="0"/>
+          <a:chOff x="0" y="0"/>
+          <a:chExt cx="0" cy="0"/>
+        </a:xfrm>
+      </p:grpSpPr>
+      <p:sp>
+        <p:nvSpPr>
+          <p:cNvPr id="2" name="Title 1">
+            <a:extLst>
+              <a:ext uri="{FF2B5EF4-FFF2-40B4-BE49-F238E27FC236}">
+                <a16:creationId xmlns:a16="http://schemas.microsoft.com/office/drawing/2014/main" id="{8D3627C9-F026-4EBD-B1E2-0145A1B7A612}"/>
+              </a:ext>
+            </a:extLst>
+          </p:cNvPr>
+          <p:cNvSpPr>
+            <a:spLocks noGrp="1"/>
+          </p:cNvSpPr>
+          <p:nvPr>
+            <p:ph type="title"/>
+          </p:nvPr>
+        </p:nvSpPr>
+        <p:spPr/>
+        <p:txBody>
+          <a:bodyPr/>
+          <a:lstStyle/>
+          <a:p>
+            <a:r>
+              <a:rPr lang="en-US" dirty="0"/>
+              <a:t>Modified Bus Factor</a:t>
+            </a:r>
+          </a:p>
+        </p:txBody>
+      </p:sp>
+      <p:sp>
+        <p:nvSpPr>
+          <p:cNvPr id="3" name="Content Placeholder 2">
+            <a:extLst>
+              <a:ext uri="{FF2B5EF4-FFF2-40B4-BE49-F238E27FC236}">
+                <a16:creationId xmlns:a16="http://schemas.microsoft.com/office/drawing/2014/main" id="{E472E45C-DCB1-4FEB-99D9-3F27B2FA259D}"/>
+              </a:ext>
+            </a:extLst>
+          </p:cNvPr>
+          <p:cNvSpPr>
+            <a:spLocks noGrp="1"/>
+          </p:cNvSpPr>
+          <p:nvPr>
+            <p:ph idx="1"/>
+          </p:nvPr>
+        </p:nvSpPr>
+        <p:spPr>
+          <a:xfrm>
+            <a:off x="1371600" y="2286000"/>
+            <a:ext cx="9601200" cy="3886200"/>
+          </a:xfrm>
+        </p:spPr>
+        <p:txBody>
+          <a:bodyPr>
+            <a:normAutofit/>
+          </a:bodyPr>
+          <a:lstStyle/>
+          <a:p>
+            <a:pPr marL="0" indent="0">
+              <a:buNone/>
+            </a:pPr>
+            <a:r>
+              <a:rPr lang="en-US" dirty="0"/>
+              <a:t>In this analysis, DOA calculation was modified in the following ways: -</a:t>
+            </a:r>
+          </a:p>
+          <a:p>
+            <a:pPr lvl="0"/>
+            <a:r>
+              <a:rPr lang="en-US" dirty="0"/>
+              <a:t>FA or First authorship was </a:t>
+            </a:r>
+            <a:r>
+              <a:rPr lang="en-US"/>
+              <a:t>defined as the </a:t>
+            </a:r>
+            <a:r>
+              <a:rPr lang="en-US" dirty="0"/>
+              <a:t>author info in the first commit starting from 1-1-2015. Any ownership changes before 2015 were ignored.</a:t>
+            </a:r>
+          </a:p>
+          <a:p>
+            <a:pPr lvl="0"/>
+            <a:r>
+              <a:rPr lang="en-US" dirty="0"/>
+              <a:t>DOA was changed to DOA/Year and the factors DL and AC were now year dependent.</a:t>
+            </a:r>
+          </a:p>
+          <a:p>
+            <a:pPr lvl="0"/>
+            <a:r>
+              <a:rPr lang="en-US" dirty="0"/>
+              <a:t>DL was now number of changes made by a user in a particular year and AC was modified to include all the commits made in a particular year.</a:t>
+            </a:r>
+          </a:p>
+          <a:p>
+            <a:pPr lvl="0"/>
+            <a:r>
+              <a:rPr lang="en-US" dirty="0"/>
+              <a:t>The weights were kept the same on the assumption that this is what DOA will be if project started and ended in same year.</a:t>
+            </a:r>
+          </a:p>
+          <a:p>
+            <a:pPr lvl="0"/>
+            <a:r>
+              <a:rPr lang="en-US" dirty="0"/>
+              <a:t>Normalizing the DOA and cutoff for DOA was kept the same.</a:t>
+            </a:r>
+          </a:p>
+          <a:p>
+            <a:pPr marL="0" indent="0">
+              <a:buNone/>
+            </a:pPr>
+            <a:r>
+              <a:rPr lang="en-US" dirty="0"/>
+              <a:t>DOA/year = 3.293 + 1.098 ∗ FA + 0.164 ∗ DL/Year − 0.321 ∗ ln(1 + AC*/Year )</a:t>
+            </a:r>
+          </a:p>
+        </p:txBody>
+      </p:sp>
+    </p:spTree>
+    <p:extLst>
+      <p:ext uri="{BB962C8B-B14F-4D97-AF65-F5344CB8AC3E}">
+        <p14:creationId xmlns:p14="http://schemas.microsoft.com/office/powerpoint/2010/main" val="2333558843"/>
+      </p:ext>
+    </p:extLst>
+  </p:cSld>
+  <p:clrMapOvr>
+    <a:masterClrMapping/>
+  </p:clrMapOvr>
+</p:sld>
+</file>
+
+<file path=ppt/slides/slide16.xml><?xml version="1.0" encoding="utf-8"?>
 <p:sld xmlns:a="http://schemas.openxmlformats.org/drawingml/2006/main" xmlns:r="http://schemas.openxmlformats.org/officeDocument/2006/relationships" xmlns:p="http://schemas.openxmlformats.org/presentationml/2006/main">
   <p:cSld>
     <p:spTree>
@@ -9792,7 +9920,7 @@
 </p:sld>
 </file>
 
-<file path=ppt/slides/slide16.xml><?xml version="1.0" encoding="utf-8"?>
+<file path=ppt/slides/slide17.xml><?xml version="1.0" encoding="utf-8"?>
 <p:sld xmlns:a="http://schemas.openxmlformats.org/drawingml/2006/main" xmlns:r="http://schemas.openxmlformats.org/officeDocument/2006/relationships" xmlns:p="http://schemas.openxmlformats.org/presentationml/2006/main">
   <p:cSld>
     <p:spTree>
@@ -9910,7 +10038,7 @@
 </p:sld>
 </file>
 
-<file path=ppt/slides/slide17.xml><?xml version="1.0" encoding="utf-8"?>
+<file path=ppt/slides/slide18.xml><?xml version="1.0" encoding="utf-8"?>
 <p:sld xmlns:a="http://schemas.openxmlformats.org/drawingml/2006/main" xmlns:r="http://schemas.openxmlformats.org/officeDocument/2006/relationships" xmlns:p="http://schemas.openxmlformats.org/presentationml/2006/main">
   <p:cSld>
     <p:bg>
@@ -10215,7 +10343,7 @@
 </p:sld>
 </file>
 
-<file path=ppt/slides/slide18.xml><?xml version="1.0" encoding="utf-8"?>
+<file path=ppt/slides/slide19.xml><?xml version="1.0" encoding="utf-8"?>
 <p:sld xmlns:a="http://schemas.openxmlformats.org/drawingml/2006/main" xmlns:r="http://schemas.openxmlformats.org/officeDocument/2006/relationships" xmlns:p="http://schemas.openxmlformats.org/presentationml/2006/main">
   <p:cSld>
     <p:spTree>
@@ -10822,7 +10950,114 @@
 </p:sld>
 </file>
 
-<file path=ppt/slides/slide19.xml><?xml version="1.0" encoding="utf-8"?>
+<file path=ppt/slides/slide2.xml><?xml version="1.0" encoding="utf-8"?>
+<p:sld xmlns:a="http://schemas.openxmlformats.org/drawingml/2006/main" xmlns:r="http://schemas.openxmlformats.org/officeDocument/2006/relationships" xmlns:p="http://schemas.openxmlformats.org/presentationml/2006/main">
+  <p:cSld>
+    <p:spTree>
+      <p:nvGrpSpPr>
+        <p:cNvPr id="1" name=""/>
+        <p:cNvGrpSpPr/>
+        <p:nvPr/>
+      </p:nvGrpSpPr>
+      <p:grpSpPr>
+        <a:xfrm>
+          <a:off x="0" y="0"/>
+          <a:ext cx="0" cy="0"/>
+          <a:chOff x="0" y="0"/>
+          <a:chExt cx="0" cy="0"/>
+        </a:xfrm>
+      </p:grpSpPr>
+      <p:sp>
+        <p:nvSpPr>
+          <p:cNvPr id="2" name="Title 1">
+            <a:extLst>
+              <a:ext uri="{FF2B5EF4-FFF2-40B4-BE49-F238E27FC236}">
+                <a16:creationId xmlns:a16="http://schemas.microsoft.com/office/drawing/2014/main" id="{0C6D88A0-7838-4EF9-82A1-2375C30FCBB8}"/>
+              </a:ext>
+            </a:extLst>
+          </p:cNvPr>
+          <p:cNvSpPr>
+            <a:spLocks noGrp="1"/>
+          </p:cNvSpPr>
+          <p:nvPr>
+            <p:ph type="title"/>
+          </p:nvPr>
+        </p:nvSpPr>
+        <p:spPr/>
+        <p:txBody>
+          <a:bodyPr/>
+          <a:lstStyle/>
+          <a:p>
+            <a:r>
+              <a:rPr lang="en-US" dirty="0"/>
+              <a:t>Bus Factor</a:t>
+            </a:r>
+          </a:p>
+        </p:txBody>
+      </p:sp>
+      <p:sp>
+        <p:nvSpPr>
+          <p:cNvPr id="3" name="Content Placeholder 2">
+            <a:extLst>
+              <a:ext uri="{FF2B5EF4-FFF2-40B4-BE49-F238E27FC236}">
+                <a16:creationId xmlns:a16="http://schemas.microsoft.com/office/drawing/2014/main" id="{484E54D7-4CF2-45DE-91BC-0614F15076A8}"/>
+              </a:ext>
+            </a:extLst>
+          </p:cNvPr>
+          <p:cNvSpPr>
+            <a:spLocks noGrp="1"/>
+          </p:cNvSpPr>
+          <p:nvPr>
+            <p:ph idx="1"/>
+          </p:nvPr>
+        </p:nvSpPr>
+        <p:spPr/>
+        <p:txBody>
+          <a:bodyPr>
+            <a:normAutofit/>
+          </a:bodyPr>
+          <a:lstStyle/>
+          <a:p>
+            <a:pPr marL="0" indent="0" algn="ctr">
+              <a:buNone/>
+            </a:pPr>
+            <a:endParaRPr lang="en-US" sz="2800" dirty="0"/>
+          </a:p>
+          <a:p>
+            <a:pPr marL="0" indent="0" algn="ctr">
+              <a:buNone/>
+            </a:pPr>
+            <a:endParaRPr lang="en-US" sz="2800" dirty="0"/>
+          </a:p>
+          <a:p>
+            <a:pPr marL="0" indent="0" algn="ctr">
+              <a:buNone/>
+            </a:pPr>
+            <a:r>
+              <a:rPr lang="en-US" sz="2800" dirty="0"/>
+              <a:t>Minimum number of people who are needed to keep a project running.</a:t>
+            </a:r>
+          </a:p>
+          <a:p>
+            <a:pPr algn="ctr"/>
+            <a:endParaRPr lang="en-US" sz="2800" dirty="0"/>
+          </a:p>
+        </p:txBody>
+      </p:sp>
+    </p:spTree>
+    <p:extLst>
+      <p:ext uri="{BB962C8B-B14F-4D97-AF65-F5344CB8AC3E}">
+        <p14:creationId xmlns:p14="http://schemas.microsoft.com/office/powerpoint/2010/main" val="2869562326"/>
+      </p:ext>
+    </p:extLst>
+  </p:cSld>
+  <p:clrMapOvr>
+    <a:masterClrMapping/>
+  </p:clrMapOvr>
+</p:sld>
+</file>
+
+<file path=ppt/slides/slide20.xml><?xml version="1.0" encoding="utf-8"?>
 <p:sld xmlns:a="http://schemas.openxmlformats.org/drawingml/2006/main" xmlns:r="http://schemas.openxmlformats.org/officeDocument/2006/relationships" xmlns:p="http://schemas.openxmlformats.org/presentationml/2006/main">
   <p:cSld>
     <p:spTree>
@@ -10940,114 +11175,7 @@
 </p:sld>
 </file>
 
-<file path=ppt/slides/slide2.xml><?xml version="1.0" encoding="utf-8"?>
-<p:sld xmlns:a="http://schemas.openxmlformats.org/drawingml/2006/main" xmlns:r="http://schemas.openxmlformats.org/officeDocument/2006/relationships" xmlns:p="http://schemas.openxmlformats.org/presentationml/2006/main">
-  <p:cSld>
-    <p:spTree>
-      <p:nvGrpSpPr>
-        <p:cNvPr id="1" name=""/>
-        <p:cNvGrpSpPr/>
-        <p:nvPr/>
-      </p:nvGrpSpPr>
-      <p:grpSpPr>
-        <a:xfrm>
-          <a:off x="0" y="0"/>
-          <a:ext cx="0" cy="0"/>
-          <a:chOff x="0" y="0"/>
-          <a:chExt cx="0" cy="0"/>
-        </a:xfrm>
-      </p:grpSpPr>
-      <p:sp>
-        <p:nvSpPr>
-          <p:cNvPr id="2" name="Title 1">
-            <a:extLst>
-              <a:ext uri="{FF2B5EF4-FFF2-40B4-BE49-F238E27FC236}">
-                <a16:creationId xmlns:a16="http://schemas.microsoft.com/office/drawing/2014/main" id="{0C6D88A0-7838-4EF9-82A1-2375C30FCBB8}"/>
-              </a:ext>
-            </a:extLst>
-          </p:cNvPr>
-          <p:cNvSpPr>
-            <a:spLocks noGrp="1"/>
-          </p:cNvSpPr>
-          <p:nvPr>
-            <p:ph type="title"/>
-          </p:nvPr>
-        </p:nvSpPr>
-        <p:spPr/>
-        <p:txBody>
-          <a:bodyPr/>
-          <a:lstStyle/>
-          <a:p>
-            <a:r>
-              <a:rPr lang="en-US" dirty="0"/>
-              <a:t>Bus Factor</a:t>
-            </a:r>
-          </a:p>
-        </p:txBody>
-      </p:sp>
-      <p:sp>
-        <p:nvSpPr>
-          <p:cNvPr id="3" name="Content Placeholder 2">
-            <a:extLst>
-              <a:ext uri="{FF2B5EF4-FFF2-40B4-BE49-F238E27FC236}">
-                <a16:creationId xmlns:a16="http://schemas.microsoft.com/office/drawing/2014/main" id="{484E54D7-4CF2-45DE-91BC-0614F15076A8}"/>
-              </a:ext>
-            </a:extLst>
-          </p:cNvPr>
-          <p:cNvSpPr>
-            <a:spLocks noGrp="1"/>
-          </p:cNvSpPr>
-          <p:nvPr>
-            <p:ph idx="1"/>
-          </p:nvPr>
-        </p:nvSpPr>
-        <p:spPr/>
-        <p:txBody>
-          <a:bodyPr>
-            <a:normAutofit/>
-          </a:bodyPr>
-          <a:lstStyle/>
-          <a:p>
-            <a:pPr marL="0" indent="0" algn="ctr">
-              <a:buNone/>
-            </a:pPr>
-            <a:endParaRPr lang="en-US" sz="2800" dirty="0"/>
-          </a:p>
-          <a:p>
-            <a:pPr marL="0" indent="0" algn="ctr">
-              <a:buNone/>
-            </a:pPr>
-            <a:endParaRPr lang="en-US" sz="2800" dirty="0"/>
-          </a:p>
-          <a:p>
-            <a:pPr marL="0" indent="0" algn="ctr">
-              <a:buNone/>
-            </a:pPr>
-            <a:r>
-              <a:rPr lang="en-US" sz="2800" dirty="0"/>
-              <a:t>Minimum number of people who are needed to keep a project running.</a:t>
-            </a:r>
-          </a:p>
-          <a:p>
-            <a:pPr algn="ctr"/>
-            <a:endParaRPr lang="en-US" sz="2800" dirty="0"/>
-          </a:p>
-        </p:txBody>
-      </p:sp>
-    </p:spTree>
-    <p:extLst>
-      <p:ext uri="{BB962C8B-B14F-4D97-AF65-F5344CB8AC3E}">
-        <p14:creationId xmlns:p14="http://schemas.microsoft.com/office/powerpoint/2010/main" val="2869562326"/>
-      </p:ext>
-    </p:extLst>
-  </p:cSld>
-  <p:clrMapOvr>
-    <a:masterClrMapping/>
-  </p:clrMapOvr>
-</p:sld>
-</file>
-
-<file path=ppt/slides/slide20.xml><?xml version="1.0" encoding="utf-8"?>
+<file path=ppt/slides/slide21.xml><?xml version="1.0" encoding="utf-8"?>
 <p:sld xmlns:a="http://schemas.openxmlformats.org/drawingml/2006/main" xmlns:r="http://schemas.openxmlformats.org/officeDocument/2006/relationships" xmlns:p="http://schemas.openxmlformats.org/presentationml/2006/main">
   <p:cSld>
     <p:spTree>
@@ -11135,7 +11263,7 @@
 </p:sld>
 </file>
 
-<file path=ppt/slides/slide21.xml><?xml version="1.0" encoding="utf-8"?>
+<file path=ppt/slides/slide22.xml><?xml version="1.0" encoding="utf-8"?>
 <p:sld xmlns:a="http://schemas.openxmlformats.org/drawingml/2006/main" xmlns:r="http://schemas.openxmlformats.org/officeDocument/2006/relationships" xmlns:p="http://schemas.openxmlformats.org/presentationml/2006/main">
   <p:cSld>
     <p:spTree>
@@ -11248,7 +11376,7 @@
 </p:sld>
 </file>
 
-<file path=ppt/slides/slide22.xml><?xml version="1.0" encoding="utf-8"?>
+<file path=ppt/slides/slide23.xml><?xml version="1.0" encoding="utf-8"?>
 <p:sld xmlns:a="http://schemas.openxmlformats.org/drawingml/2006/main" xmlns:r="http://schemas.openxmlformats.org/officeDocument/2006/relationships" xmlns:p="http://schemas.openxmlformats.org/presentationml/2006/main">
   <p:cSld>
     <p:spTree>
